--- a/преза4.pptx
+++ b/преза4.pptx
@@ -4023,7 +4023,7 @@
         </p:blipFill>
         <p:spPr>
           <a:xfrm>
-            <a:off x="6210729" y="1786821"/>
+            <a:off x="6176975" y="1196752"/>
             <a:ext cx="2283457" cy="4764997"/>
           </a:xfrm>
           <a:prstGeom prst="rect">
@@ -4053,7 +4053,7 @@
         </p:blipFill>
         <p:spPr>
           <a:xfrm>
-            <a:off x="0" y="1412776"/>
+            <a:off x="0" y="980728"/>
             <a:ext cx="6099127" cy="4585530"/>
           </a:xfrm>
           <a:prstGeom prst="rect">
@@ -4105,7 +4105,7 @@
         </p:nvSpPr>
         <p:spPr>
           <a:xfrm>
-            <a:off x="899592" y="476672"/>
+            <a:off x="899592" y="-27384"/>
             <a:ext cx="7560840" cy="1077218"/>
           </a:xfrm>
           <a:prstGeom prst="rect">
@@ -5143,7 +5143,7 @@
         </p:blipFill>
         <p:spPr>
           <a:xfrm>
-            <a:off x="5257125" y="1201811"/>
+            <a:off x="5255651" y="1196752"/>
             <a:ext cx="3431149" cy="5013176"/>
           </a:xfrm>
           <a:prstGeom prst="rect">
@@ -5600,7 +5600,7 @@
         </p:blipFill>
         <p:spPr>
           <a:xfrm>
-            <a:off x="448036" y="1364849"/>
+            <a:off x="455300" y="1364849"/>
             <a:ext cx="8247928" cy="4128301"/>
           </a:xfrm>
           <a:prstGeom prst="rect">
